--- a/InformativosAnimacao.pptx
+++ b/InformativosAnimacao.pptx
@@ -286,7 +286,7 @@
             <a:fld id="{11A6662E-FAF4-44BC-88B5-85A7CBFB6D30}" type="datetime1">
               <a:rPr lang="en-US" smtClean="0"/>
               <a:pPr/>
-              <a:t>6/25/2021</a:t>
+              <a:t>6/29/2021</a:t>
             </a:fld>
             <a:endParaRPr lang="en-US" dirty="0"/>
           </a:p>
@@ -513,7 +513,7 @@
           <a:p>
             <a:fld id="{4C559632-1575-4E14-B53B-3DC3D5ED3947}" type="datetime1">
               <a:rPr lang="en-US" smtClean="0"/>
-              <a:t>6/25/2021</a:t>
+              <a:t>6/29/2021</a:t>
             </a:fld>
             <a:endParaRPr lang="en-US"/>
           </a:p>
@@ -721,7 +721,7 @@
           <a:p>
             <a:fld id="{CC4A6868-2568-4CC9-B302-F37117B01A6E}" type="datetime1">
               <a:rPr lang="en-US" smtClean="0"/>
-              <a:t>6/25/2021</a:t>
+              <a:t>6/29/2021</a:t>
             </a:fld>
             <a:endParaRPr lang="en-US"/>
           </a:p>
@@ -926,7 +926,7 @@
           <a:p>
             <a:fld id="{0055F08A-1E71-4B2B-BB49-E743F2903911}" type="datetime1">
               <a:rPr lang="en-US" smtClean="0"/>
-              <a:t>6/25/2021</a:t>
+              <a:t>6/29/2021</a:t>
             </a:fld>
             <a:endParaRPr lang="en-US" dirty="0"/>
           </a:p>
@@ -1200,7 +1200,7 @@
           <a:p>
             <a:fld id="{15417D9E-721A-44BB-8863-9873FE64DA75}" type="datetime1">
               <a:rPr lang="en-US" smtClean="0"/>
-              <a:t>6/25/2021</a:t>
+              <a:t>6/29/2021</a:t>
             </a:fld>
             <a:endParaRPr lang="en-US"/>
           </a:p>
@@ -1473,7 +1473,7 @@
           <a:p>
             <a:fld id="{5F31DA2F-80B8-49CF-99FB-5ABCA53A607A}" type="datetime1">
               <a:rPr lang="en-US" smtClean="0"/>
-              <a:t>6/25/2021</a:t>
+              <a:t>6/29/2021</a:t>
             </a:fld>
             <a:endParaRPr lang="en-US"/>
           </a:p>
@@ -1888,7 +1888,7 @@
           <a:p>
             <a:fld id="{28852172-E6C9-4B6C-929A-A9DE3837BBF1}" type="datetime1">
               <a:rPr lang="en-US" smtClean="0"/>
-              <a:t>6/25/2021</a:t>
+              <a:t>6/29/2021</a:t>
             </a:fld>
             <a:endParaRPr lang="en-US"/>
           </a:p>
@@ -2040,7 +2040,7 @@
           <a:p>
             <a:fld id="{3AB41CFF-90C9-47B3-9DA1-F2BF8D839F7E}" type="datetime1">
               <a:rPr lang="en-US" smtClean="0"/>
-              <a:t>6/25/2021</a:t>
+              <a:t>6/29/2021</a:t>
             </a:fld>
             <a:endParaRPr lang="en-US"/>
           </a:p>
@@ -2153,7 +2153,7 @@
           <a:p>
             <a:fld id="{F06048FA-06AB-4884-A69B-986B96E68A24}" type="datetime1">
               <a:rPr lang="en-US" smtClean="0"/>
-              <a:t>6/25/2021</a:t>
+              <a:t>6/29/2021</a:t>
             </a:fld>
             <a:endParaRPr lang="en-US"/>
           </a:p>
@@ -2464,7 +2464,7 @@
           <a:p>
             <a:fld id="{50DB7ABA-0172-4F9C-889D-567164F66BCD}" type="datetime1">
               <a:rPr lang="en-US" smtClean="0"/>
-              <a:t>6/25/2021</a:t>
+              <a:t>6/29/2021</a:t>
             </a:fld>
             <a:endParaRPr lang="en-US"/>
           </a:p>
@@ -2755,7 +2755,7 @@
           <a:p>
             <a:fld id="{78AC6A5B-8AE7-4A41-B5A7-9ADC6686DC18}" type="datetime1">
               <a:rPr lang="en-US" smtClean="0"/>
-              <a:t>6/25/2021</a:t>
+              <a:t>6/29/2021</a:t>
             </a:fld>
             <a:endParaRPr lang="en-US"/>
           </a:p>
@@ -3064,7 +3064,7 @@
             <a:fld id="{57E0CF6C-748E-4B7A-BC8B-3011EF78ED13}" type="datetime1">
               <a:rPr lang="en-US" smtClean="0"/>
               <a:pPr/>
-              <a:t>6/25/2021</a:t>
+              <a:t>6/29/2021</a:t>
             </a:fld>
             <a:endParaRPr lang="en-US" dirty="0"/>
           </a:p>
@@ -4630,7 +4630,7 @@
                 </a:effectLst>
                 <a:latin typeface="Exo 2 Extra Bold" panose="00000900000000000000" pitchFamily="50" charset="0"/>
               </a:rPr>
-              <a:t>Rodada #06</a:t>
+              <a:t>Rodada #07</a:t>
             </a:r>
           </a:p>
         </p:txBody>
@@ -5065,7 +5065,7 @@
                             </p:stCondLst>
                             <p:childTnLst>
                               <p:par>
-                                <p:cTn id="29" presetID="10" presetClass="entr" presetSubtype="0" repeatCount="3000" fill="hold" grpId="0" nodeType="afterEffect">
+                                <p:cTn id="29" presetID="10" presetClass="entr" presetSubtype="0" fill="hold" grpId="0" nodeType="afterEffect">
                                   <p:stCondLst>
                                     <p:cond delay="500"/>
                                   </p:stCondLst>
@@ -5090,12 +5090,269 @@
                                     </p:set>
                                     <p:animEffect transition="in" filter="fade">
                                       <p:cBhvr>
-                                        <p:cTn id="31" dur="500"/>
+                                        <p:cTn id="31" dur="1000"/>
                                         <p:tgtEl>
                                           <p:spTgt spid="7"/>
                                         </p:tgtEl>
                                       </p:cBhvr>
                                     </p:animEffect>
+                                  </p:childTnLst>
+                                </p:cTn>
+                              </p:par>
+                            </p:childTnLst>
+                          </p:cTn>
+                        </p:par>
+                        <p:par>
+                          <p:cTn id="32" fill="hold">
+                            <p:stCondLst>
+                              <p:cond delay="7601"/>
+                            </p:stCondLst>
+                            <p:childTnLst>
+                              <p:par>
+                                <p:cTn id="33" presetID="14" presetClass="exit" presetSubtype="10" fill="hold" grpId="1" nodeType="afterEffect">
+                                  <p:stCondLst>
+                                    <p:cond delay="1000"/>
+                                  </p:stCondLst>
+                                  <p:childTnLst>
+                                    <p:animEffect transition="out" filter="randombar(horizontal)">
+                                      <p:cBhvr>
+                                        <p:cTn id="34" dur="500"/>
+                                        <p:tgtEl>
+                                          <p:spTgt spid="6"/>
+                                        </p:tgtEl>
+                                      </p:cBhvr>
+                                    </p:animEffect>
+                                    <p:set>
+                                      <p:cBhvr>
+                                        <p:cTn id="35" dur="1" fill="hold">
+                                          <p:stCondLst>
+                                            <p:cond delay="499"/>
+                                          </p:stCondLst>
+                                        </p:cTn>
+                                        <p:tgtEl>
+                                          <p:spTgt spid="6"/>
+                                        </p:tgtEl>
+                                        <p:attrNameLst>
+                                          <p:attrName>style.visibility</p:attrName>
+                                        </p:attrNameLst>
+                                      </p:cBhvr>
+                                      <p:to>
+                                        <p:strVal val="hidden"/>
+                                      </p:to>
+                                    </p:set>
+                                  </p:childTnLst>
+                                </p:cTn>
+                              </p:par>
+                              <p:par>
+                                <p:cTn id="36" presetID="14" presetClass="exit" presetSubtype="10" fill="hold" nodeType="withEffect">
+                                  <p:stCondLst>
+                                    <p:cond delay="1000"/>
+                                  </p:stCondLst>
+                                  <p:childTnLst>
+                                    <p:animEffect transition="out" filter="randombar(horizontal)">
+                                      <p:cBhvr>
+                                        <p:cTn id="37" dur="500"/>
+                                        <p:tgtEl>
+                                          <p:spTgt spid="4"/>
+                                        </p:tgtEl>
+                                      </p:cBhvr>
+                                    </p:animEffect>
+                                    <p:set>
+                                      <p:cBhvr>
+                                        <p:cTn id="38" dur="1" fill="hold">
+                                          <p:stCondLst>
+                                            <p:cond delay="499"/>
+                                          </p:stCondLst>
+                                        </p:cTn>
+                                        <p:tgtEl>
+                                          <p:spTgt spid="4"/>
+                                        </p:tgtEl>
+                                        <p:attrNameLst>
+                                          <p:attrName>style.visibility</p:attrName>
+                                        </p:attrNameLst>
+                                      </p:cBhvr>
+                                      <p:to>
+                                        <p:strVal val="hidden"/>
+                                      </p:to>
+                                    </p:set>
+                                  </p:childTnLst>
+                                </p:cTn>
+                              </p:par>
+                              <p:par>
+                                <p:cTn id="39" presetID="14" presetClass="exit" presetSubtype="10" fill="hold" grpId="1" nodeType="withEffect">
+                                  <p:stCondLst>
+                                    <p:cond delay="1000"/>
+                                  </p:stCondLst>
+                                  <p:childTnLst>
+                                    <p:animEffect transition="out" filter="randombar(horizontal)">
+                                      <p:cBhvr>
+                                        <p:cTn id="40" dur="500"/>
+                                        <p:tgtEl>
+                                          <p:spTgt spid="41"/>
+                                        </p:tgtEl>
+                                      </p:cBhvr>
+                                    </p:animEffect>
+                                    <p:set>
+                                      <p:cBhvr>
+                                        <p:cTn id="41" dur="1" fill="hold">
+                                          <p:stCondLst>
+                                            <p:cond delay="499"/>
+                                          </p:stCondLst>
+                                        </p:cTn>
+                                        <p:tgtEl>
+                                          <p:spTgt spid="41"/>
+                                        </p:tgtEl>
+                                        <p:attrNameLst>
+                                          <p:attrName>style.visibility</p:attrName>
+                                        </p:attrNameLst>
+                                      </p:cBhvr>
+                                      <p:to>
+                                        <p:strVal val="hidden"/>
+                                      </p:to>
+                                    </p:set>
+                                  </p:childTnLst>
+                                </p:cTn>
+                              </p:par>
+                              <p:par>
+                                <p:cTn id="42" presetID="14" presetClass="exit" presetSubtype="10" fill="hold" grpId="1" nodeType="withEffect">
+                                  <p:stCondLst>
+                                    <p:cond delay="1000"/>
+                                  </p:stCondLst>
+                                  <p:childTnLst>
+                                    <p:animEffect transition="out" filter="randombar(horizontal)">
+                                      <p:cBhvr>
+                                        <p:cTn id="43" dur="500"/>
+                                        <p:tgtEl>
+                                          <p:spTgt spid="47"/>
+                                        </p:tgtEl>
+                                      </p:cBhvr>
+                                    </p:animEffect>
+                                    <p:set>
+                                      <p:cBhvr>
+                                        <p:cTn id="44" dur="1" fill="hold">
+                                          <p:stCondLst>
+                                            <p:cond delay="499"/>
+                                          </p:stCondLst>
+                                        </p:cTn>
+                                        <p:tgtEl>
+                                          <p:spTgt spid="47"/>
+                                        </p:tgtEl>
+                                        <p:attrNameLst>
+                                          <p:attrName>style.visibility</p:attrName>
+                                        </p:attrNameLst>
+                                      </p:cBhvr>
+                                      <p:to>
+                                        <p:strVal val="hidden"/>
+                                      </p:to>
+                                    </p:set>
+                                  </p:childTnLst>
+                                </p:cTn>
+                              </p:par>
+                              <p:par>
+                                <p:cTn id="45" presetID="14" presetClass="exit" presetSubtype="10" fill="hold" grpId="1" nodeType="withEffect">
+                                  <p:stCondLst>
+                                    <p:cond delay="1000"/>
+                                  </p:stCondLst>
+                                  <p:iterate type="lt">
+                                    <p:tmPct val="0"/>
+                                  </p:iterate>
+                                  <p:childTnLst>
+                                    <p:animEffect transition="out" filter="randombar(horizontal)">
+                                      <p:cBhvr>
+                                        <p:cTn id="46" dur="500"/>
+                                        <p:tgtEl>
+                                          <p:spTgt spid="50"/>
+                                        </p:tgtEl>
+                                      </p:cBhvr>
+                                    </p:animEffect>
+                                    <p:set>
+                                      <p:cBhvr>
+                                        <p:cTn id="47" dur="1" fill="hold">
+                                          <p:stCondLst>
+                                            <p:cond delay="499"/>
+                                          </p:stCondLst>
+                                        </p:cTn>
+                                        <p:tgtEl>
+                                          <p:spTgt spid="50"/>
+                                        </p:tgtEl>
+                                        <p:attrNameLst>
+                                          <p:attrName>style.visibility</p:attrName>
+                                        </p:attrNameLst>
+                                      </p:cBhvr>
+                                      <p:to>
+                                        <p:strVal val="hidden"/>
+                                      </p:to>
+                                    </p:set>
+                                  </p:childTnLst>
+                                </p:cTn>
+                              </p:par>
+                              <p:par>
+                                <p:cTn id="48" presetID="14" presetClass="exit" presetSubtype="10" fill="hold" grpId="1" nodeType="withEffect">
+                                  <p:stCondLst>
+                                    <p:cond delay="1000"/>
+                                  </p:stCondLst>
+                                  <p:childTnLst>
+                                    <p:animEffect transition="out" filter="randombar(horizontal)">
+                                      <p:cBhvr>
+                                        <p:cTn id="49" dur="500"/>
+                                        <p:tgtEl>
+                                          <p:spTgt spid="53"/>
+                                        </p:tgtEl>
+                                      </p:cBhvr>
+                                    </p:animEffect>
+                                    <p:set>
+                                      <p:cBhvr>
+                                        <p:cTn id="50" dur="1" fill="hold">
+                                          <p:stCondLst>
+                                            <p:cond delay="499"/>
+                                          </p:stCondLst>
+                                        </p:cTn>
+                                        <p:tgtEl>
+                                          <p:spTgt spid="53"/>
+                                        </p:tgtEl>
+                                        <p:attrNameLst>
+                                          <p:attrName>style.visibility</p:attrName>
+                                        </p:attrNameLst>
+                                      </p:cBhvr>
+                                      <p:to>
+                                        <p:strVal val="hidden"/>
+                                      </p:to>
+                                    </p:set>
+                                  </p:childTnLst>
+                                </p:cTn>
+                              </p:par>
+                              <p:par>
+                                <p:cTn id="51" presetID="14" presetClass="exit" presetSubtype="10" fill="hold" grpId="1" nodeType="withEffect">
+                                  <p:stCondLst>
+                                    <p:cond delay="1000"/>
+                                  </p:stCondLst>
+                                  <p:childTnLst>
+                                    <p:animEffect transition="out" filter="randombar(horizontal)">
+                                      <p:cBhvr>
+                                        <p:cTn id="52" dur="500"/>
+                                        <p:tgtEl>
+                                          <p:spTgt spid="7"/>
+                                        </p:tgtEl>
+                                      </p:cBhvr>
+                                    </p:animEffect>
+                                    <p:set>
+                                      <p:cBhvr>
+                                        <p:cTn id="53" dur="1" fill="hold">
+                                          <p:stCondLst>
+                                            <p:cond delay="499"/>
+                                          </p:stCondLst>
+                                        </p:cTn>
+                                        <p:tgtEl>
+                                          <p:spTgt spid="7"/>
+                                        </p:tgtEl>
+                                        <p:attrNameLst>
+                                          <p:attrName>style.visibility</p:attrName>
+                                        </p:attrNameLst>
+                                      </p:cBhvr>
+                                      <p:to>
+                                        <p:strVal val="hidden"/>
+                                      </p:to>
+                                    </p:set>
                                   </p:childTnLst>
                                 </p:cTn>
                               </p:par>
@@ -5128,11 +5385,17 @@
     </p:tnLst>
     <p:bldLst>
       <p:bldP spid="6" grpId="0" animBg="1"/>
+      <p:bldP spid="6" grpId="1" animBg="1"/>
       <p:bldP spid="41" grpId="0" animBg="1"/>
+      <p:bldP spid="41" grpId="1" animBg="1"/>
       <p:bldP spid="47" grpId="0" animBg="1"/>
+      <p:bldP spid="47" grpId="1" animBg="1"/>
       <p:bldP spid="50" grpId="0"/>
+      <p:bldP spid="50" grpId="1"/>
       <p:bldP spid="53" grpId="0"/>
+      <p:bldP spid="53" grpId="1"/>
       <p:bldP spid="7" grpId="0" animBg="1"/>
+      <p:bldP spid="7" grpId="1" animBg="1"/>
     </p:bldLst>
   </p:timing>
 </p:sld>

--- a/InformativosAnimacao.pptx
+++ b/InformativosAnimacao.pptx
@@ -286,7 +286,7 @@
             <a:fld id="{11A6662E-FAF4-44BC-88B5-85A7CBFB6D30}" type="datetime1">
               <a:rPr lang="en-US" smtClean="0"/>
               <a:pPr/>
-              <a:t>6/29/2021</a:t>
+              <a:t>7/2/2021</a:t>
             </a:fld>
             <a:endParaRPr lang="en-US" dirty="0"/>
           </a:p>
@@ -513,7 +513,7 @@
           <a:p>
             <a:fld id="{4C559632-1575-4E14-B53B-3DC3D5ED3947}" type="datetime1">
               <a:rPr lang="en-US" smtClean="0"/>
-              <a:t>6/29/2021</a:t>
+              <a:t>7/2/2021</a:t>
             </a:fld>
             <a:endParaRPr lang="en-US"/>
           </a:p>
@@ -721,7 +721,7 @@
           <a:p>
             <a:fld id="{CC4A6868-2568-4CC9-B302-F37117B01A6E}" type="datetime1">
               <a:rPr lang="en-US" smtClean="0"/>
-              <a:t>6/29/2021</a:t>
+              <a:t>7/2/2021</a:t>
             </a:fld>
             <a:endParaRPr lang="en-US"/>
           </a:p>
@@ -926,7 +926,7 @@
           <a:p>
             <a:fld id="{0055F08A-1E71-4B2B-BB49-E743F2903911}" type="datetime1">
               <a:rPr lang="en-US" smtClean="0"/>
-              <a:t>6/29/2021</a:t>
+              <a:t>7/2/2021</a:t>
             </a:fld>
             <a:endParaRPr lang="en-US" dirty="0"/>
           </a:p>
@@ -1200,7 +1200,7 @@
           <a:p>
             <a:fld id="{15417D9E-721A-44BB-8863-9873FE64DA75}" type="datetime1">
               <a:rPr lang="en-US" smtClean="0"/>
-              <a:t>6/29/2021</a:t>
+              <a:t>7/2/2021</a:t>
             </a:fld>
             <a:endParaRPr lang="en-US"/>
           </a:p>
@@ -1473,7 +1473,7 @@
           <a:p>
             <a:fld id="{5F31DA2F-80B8-49CF-99FB-5ABCA53A607A}" type="datetime1">
               <a:rPr lang="en-US" smtClean="0"/>
-              <a:t>6/29/2021</a:t>
+              <a:t>7/2/2021</a:t>
             </a:fld>
             <a:endParaRPr lang="en-US"/>
           </a:p>
@@ -1888,7 +1888,7 @@
           <a:p>
             <a:fld id="{28852172-E6C9-4B6C-929A-A9DE3837BBF1}" type="datetime1">
               <a:rPr lang="en-US" smtClean="0"/>
-              <a:t>6/29/2021</a:t>
+              <a:t>7/2/2021</a:t>
             </a:fld>
             <a:endParaRPr lang="en-US"/>
           </a:p>
@@ -2040,7 +2040,7 @@
           <a:p>
             <a:fld id="{3AB41CFF-90C9-47B3-9DA1-F2BF8D839F7E}" type="datetime1">
               <a:rPr lang="en-US" smtClean="0"/>
-              <a:t>6/29/2021</a:t>
+              <a:t>7/2/2021</a:t>
             </a:fld>
             <a:endParaRPr lang="en-US"/>
           </a:p>
@@ -2153,7 +2153,7 @@
           <a:p>
             <a:fld id="{F06048FA-06AB-4884-A69B-986B96E68A24}" type="datetime1">
               <a:rPr lang="en-US" smtClean="0"/>
-              <a:t>6/29/2021</a:t>
+              <a:t>7/2/2021</a:t>
             </a:fld>
             <a:endParaRPr lang="en-US"/>
           </a:p>
@@ -2464,7 +2464,7 @@
           <a:p>
             <a:fld id="{50DB7ABA-0172-4F9C-889D-567164F66BCD}" type="datetime1">
               <a:rPr lang="en-US" smtClean="0"/>
-              <a:t>6/29/2021</a:t>
+              <a:t>7/2/2021</a:t>
             </a:fld>
             <a:endParaRPr lang="en-US"/>
           </a:p>
@@ -2755,7 +2755,7 @@
           <a:p>
             <a:fld id="{78AC6A5B-8AE7-4A41-B5A7-9ADC6686DC18}" type="datetime1">
               <a:rPr lang="en-US" smtClean="0"/>
-              <a:t>6/29/2021</a:t>
+              <a:t>7/2/2021</a:t>
             </a:fld>
             <a:endParaRPr lang="en-US"/>
           </a:p>
@@ -3064,7 +3064,7 @@
             <a:fld id="{57E0CF6C-748E-4B7A-BC8B-3011EF78ED13}" type="datetime1">
               <a:rPr lang="en-US" smtClean="0"/>
               <a:pPr/>
-              <a:t>6/29/2021</a:t>
+              <a:t>7/2/2021</a:t>
             </a:fld>
             <a:endParaRPr lang="en-US" dirty="0"/>
           </a:p>
@@ -4630,7 +4630,7 @@
                 </a:effectLst>
                 <a:latin typeface="Exo 2 Extra Bold" panose="00000900000000000000" pitchFamily="50" charset="0"/>
               </a:rPr>
-              <a:t>Rodada #07</a:t>
+              <a:t>Rodada #08</a:t>
             </a:r>
           </a:p>
         </p:txBody>

--- a/InformativosAnimacao.pptx
+++ b/InformativosAnimacao.pptx
@@ -286,7 +286,7 @@
             <a:fld id="{11A6662E-FAF4-44BC-88B5-85A7CBFB6D30}" type="datetime1">
               <a:rPr lang="en-US" smtClean="0"/>
               <a:pPr/>
-              <a:t>7/2/2021</a:t>
+              <a:t>7/5/2021</a:t>
             </a:fld>
             <a:endParaRPr lang="en-US" dirty="0"/>
           </a:p>
@@ -513,7 +513,7 @@
           <a:p>
             <a:fld id="{4C559632-1575-4E14-B53B-3DC3D5ED3947}" type="datetime1">
               <a:rPr lang="en-US" smtClean="0"/>
-              <a:t>7/2/2021</a:t>
+              <a:t>7/5/2021</a:t>
             </a:fld>
             <a:endParaRPr lang="en-US"/>
           </a:p>
@@ -721,7 +721,7 @@
           <a:p>
             <a:fld id="{CC4A6868-2568-4CC9-B302-F37117B01A6E}" type="datetime1">
               <a:rPr lang="en-US" smtClean="0"/>
-              <a:t>7/2/2021</a:t>
+              <a:t>7/5/2021</a:t>
             </a:fld>
             <a:endParaRPr lang="en-US"/>
           </a:p>
@@ -926,7 +926,7 @@
           <a:p>
             <a:fld id="{0055F08A-1E71-4B2B-BB49-E743F2903911}" type="datetime1">
               <a:rPr lang="en-US" smtClean="0"/>
-              <a:t>7/2/2021</a:t>
+              <a:t>7/5/2021</a:t>
             </a:fld>
             <a:endParaRPr lang="en-US" dirty="0"/>
           </a:p>
@@ -1200,7 +1200,7 @@
           <a:p>
             <a:fld id="{15417D9E-721A-44BB-8863-9873FE64DA75}" type="datetime1">
               <a:rPr lang="en-US" smtClean="0"/>
-              <a:t>7/2/2021</a:t>
+              <a:t>7/5/2021</a:t>
             </a:fld>
             <a:endParaRPr lang="en-US"/>
           </a:p>
@@ -1473,7 +1473,7 @@
           <a:p>
             <a:fld id="{5F31DA2F-80B8-49CF-99FB-5ABCA53A607A}" type="datetime1">
               <a:rPr lang="en-US" smtClean="0"/>
-              <a:t>7/2/2021</a:t>
+              <a:t>7/5/2021</a:t>
             </a:fld>
             <a:endParaRPr lang="en-US"/>
           </a:p>
@@ -1888,7 +1888,7 @@
           <a:p>
             <a:fld id="{28852172-E6C9-4B6C-929A-A9DE3837BBF1}" type="datetime1">
               <a:rPr lang="en-US" smtClean="0"/>
-              <a:t>7/2/2021</a:t>
+              <a:t>7/5/2021</a:t>
             </a:fld>
             <a:endParaRPr lang="en-US"/>
           </a:p>
@@ -2040,7 +2040,7 @@
           <a:p>
             <a:fld id="{3AB41CFF-90C9-47B3-9DA1-F2BF8D839F7E}" type="datetime1">
               <a:rPr lang="en-US" smtClean="0"/>
-              <a:t>7/2/2021</a:t>
+              <a:t>7/5/2021</a:t>
             </a:fld>
             <a:endParaRPr lang="en-US"/>
           </a:p>
@@ -2153,7 +2153,7 @@
           <a:p>
             <a:fld id="{F06048FA-06AB-4884-A69B-986B96E68A24}" type="datetime1">
               <a:rPr lang="en-US" smtClean="0"/>
-              <a:t>7/2/2021</a:t>
+              <a:t>7/5/2021</a:t>
             </a:fld>
             <a:endParaRPr lang="en-US"/>
           </a:p>
@@ -2464,7 +2464,7 @@
           <a:p>
             <a:fld id="{50DB7ABA-0172-4F9C-889D-567164F66BCD}" type="datetime1">
               <a:rPr lang="en-US" smtClean="0"/>
-              <a:t>7/2/2021</a:t>
+              <a:t>7/5/2021</a:t>
             </a:fld>
             <a:endParaRPr lang="en-US"/>
           </a:p>
@@ -2755,7 +2755,7 @@
           <a:p>
             <a:fld id="{78AC6A5B-8AE7-4A41-B5A7-9ADC6686DC18}" type="datetime1">
               <a:rPr lang="en-US" smtClean="0"/>
-              <a:t>7/2/2021</a:t>
+              <a:t>7/5/2021</a:t>
             </a:fld>
             <a:endParaRPr lang="en-US"/>
           </a:p>
@@ -3064,7 +3064,7 @@
             <a:fld id="{57E0CF6C-748E-4B7A-BC8B-3011EF78ED13}" type="datetime1">
               <a:rPr lang="en-US" smtClean="0"/>
               <a:pPr/>
-              <a:t>7/2/2021</a:t>
+              <a:t>7/5/2021</a:t>
             </a:fld>
             <a:endParaRPr lang="en-US" dirty="0"/>
           </a:p>
@@ -4630,8 +4630,43 @@
                 </a:effectLst>
                 <a:latin typeface="Exo 2 Extra Bold" panose="00000900000000000000" pitchFamily="50" charset="0"/>
               </a:rPr>
-              <a:t>Rodada #08</a:t>
-            </a:r>
+              <a:t>Rodada </a:t>
+            </a:r>
+            <a:r>
+              <a:rPr lang="pt-BR" sz="4800" b="0" cap="none" spc="0">
+                <a:ln w="0">
+                  <a:noFill/>
+                </a:ln>
+                <a:solidFill>
+                  <a:schemeClr val="bg1"/>
+                </a:solidFill>
+                <a:effectLst>
+                  <a:outerShdw blurRad="38100" dist="19050" dir="2700000" algn="tl" rotWithShape="0">
+                    <a:schemeClr val="dk1">
+                      <a:alpha val="40000"/>
+                    </a:schemeClr>
+                  </a:outerShdw>
+                </a:effectLst>
+                <a:latin typeface="Exo 2 Extra Bold" panose="00000900000000000000" pitchFamily="50" charset="0"/>
+              </a:rPr>
+              <a:t>#09</a:t>
+            </a:r>
+            <a:endParaRPr lang="pt-BR" sz="4800" b="0" cap="none" spc="0" dirty="0">
+              <a:ln w="0">
+                <a:noFill/>
+              </a:ln>
+              <a:solidFill>
+                <a:schemeClr val="bg1"/>
+              </a:solidFill>
+              <a:effectLst>
+                <a:outerShdw blurRad="38100" dist="19050" dir="2700000" algn="tl" rotWithShape="0">
+                  <a:schemeClr val="dk1">
+                    <a:alpha val="40000"/>
+                  </a:schemeClr>
+                </a:outerShdw>
+              </a:effectLst>
+              <a:latin typeface="Exo 2 Extra Bold" panose="00000900000000000000" pitchFamily="50" charset="0"/>
+            </a:endParaRPr>
           </a:p>
         </p:txBody>
       </p:sp>

--- a/InformativosAnimacao.pptx
+++ b/InformativosAnimacao.pptx
@@ -286,7 +286,7 @@
             <a:fld id="{11A6662E-FAF4-44BC-88B5-85A7CBFB6D30}" type="datetime1">
               <a:rPr lang="en-US" smtClean="0"/>
               <a:pPr/>
-              <a:t>7/5/2021</a:t>
+              <a:t>7/12/2021</a:t>
             </a:fld>
             <a:endParaRPr lang="en-US" dirty="0"/>
           </a:p>
@@ -513,7 +513,7 @@
           <a:p>
             <a:fld id="{4C559632-1575-4E14-B53B-3DC3D5ED3947}" type="datetime1">
               <a:rPr lang="en-US" smtClean="0"/>
-              <a:t>7/5/2021</a:t>
+              <a:t>7/12/2021</a:t>
             </a:fld>
             <a:endParaRPr lang="en-US"/>
           </a:p>
@@ -721,7 +721,7 @@
           <a:p>
             <a:fld id="{CC4A6868-2568-4CC9-B302-F37117B01A6E}" type="datetime1">
               <a:rPr lang="en-US" smtClean="0"/>
-              <a:t>7/5/2021</a:t>
+              <a:t>7/12/2021</a:t>
             </a:fld>
             <a:endParaRPr lang="en-US"/>
           </a:p>
@@ -926,7 +926,7 @@
           <a:p>
             <a:fld id="{0055F08A-1E71-4B2B-BB49-E743F2903911}" type="datetime1">
               <a:rPr lang="en-US" smtClean="0"/>
-              <a:t>7/5/2021</a:t>
+              <a:t>7/12/2021</a:t>
             </a:fld>
             <a:endParaRPr lang="en-US" dirty="0"/>
           </a:p>
@@ -1200,7 +1200,7 @@
           <a:p>
             <a:fld id="{15417D9E-721A-44BB-8863-9873FE64DA75}" type="datetime1">
               <a:rPr lang="en-US" smtClean="0"/>
-              <a:t>7/5/2021</a:t>
+              <a:t>7/12/2021</a:t>
             </a:fld>
             <a:endParaRPr lang="en-US"/>
           </a:p>
@@ -1473,7 +1473,7 @@
           <a:p>
             <a:fld id="{5F31DA2F-80B8-49CF-99FB-5ABCA53A607A}" type="datetime1">
               <a:rPr lang="en-US" smtClean="0"/>
-              <a:t>7/5/2021</a:t>
+              <a:t>7/12/2021</a:t>
             </a:fld>
             <a:endParaRPr lang="en-US"/>
           </a:p>
@@ -1888,7 +1888,7 @@
           <a:p>
             <a:fld id="{28852172-E6C9-4B6C-929A-A9DE3837BBF1}" type="datetime1">
               <a:rPr lang="en-US" smtClean="0"/>
-              <a:t>7/5/2021</a:t>
+              <a:t>7/12/2021</a:t>
             </a:fld>
             <a:endParaRPr lang="en-US"/>
           </a:p>
@@ -2040,7 +2040,7 @@
           <a:p>
             <a:fld id="{3AB41CFF-90C9-47B3-9DA1-F2BF8D839F7E}" type="datetime1">
               <a:rPr lang="en-US" smtClean="0"/>
-              <a:t>7/5/2021</a:t>
+              <a:t>7/12/2021</a:t>
             </a:fld>
             <a:endParaRPr lang="en-US"/>
           </a:p>
@@ -2153,7 +2153,7 @@
           <a:p>
             <a:fld id="{F06048FA-06AB-4884-A69B-986B96E68A24}" type="datetime1">
               <a:rPr lang="en-US" smtClean="0"/>
-              <a:t>7/5/2021</a:t>
+              <a:t>7/12/2021</a:t>
             </a:fld>
             <a:endParaRPr lang="en-US"/>
           </a:p>
@@ -2464,7 +2464,7 @@
           <a:p>
             <a:fld id="{50DB7ABA-0172-4F9C-889D-567164F66BCD}" type="datetime1">
               <a:rPr lang="en-US" smtClean="0"/>
-              <a:t>7/5/2021</a:t>
+              <a:t>7/12/2021</a:t>
             </a:fld>
             <a:endParaRPr lang="en-US"/>
           </a:p>
@@ -2755,7 +2755,7 @@
           <a:p>
             <a:fld id="{78AC6A5B-8AE7-4A41-B5A7-9ADC6686DC18}" type="datetime1">
               <a:rPr lang="en-US" smtClean="0"/>
-              <a:t>7/5/2021</a:t>
+              <a:t>7/12/2021</a:t>
             </a:fld>
             <a:endParaRPr lang="en-US"/>
           </a:p>
@@ -3064,7 +3064,7 @@
             <a:fld id="{57E0CF6C-748E-4B7A-BC8B-3011EF78ED13}" type="datetime1">
               <a:rPr lang="en-US" smtClean="0"/>
               <a:pPr/>
-              <a:t>7/5/2021</a:t>
+              <a:t>7/12/2021</a:t>
             </a:fld>
             <a:endParaRPr lang="en-US" dirty="0"/>
           </a:p>
@@ -4630,10 +4630,10 @@
                 </a:effectLst>
                 <a:latin typeface="Exo 2 Extra Bold" panose="00000900000000000000" pitchFamily="50" charset="0"/>
               </a:rPr>
-              <a:t>Rodada </a:t>
-            </a:r>
-            <a:r>
-              <a:rPr lang="pt-BR" sz="4800" b="0" cap="none" spc="0">
+              <a:t>Rodada #</a:t>
+            </a:r>
+            <a:r>
+              <a:rPr lang="pt-BR" sz="4800" dirty="0">
                 <a:ln w="0">
                   <a:noFill/>
                 </a:ln>
@@ -4649,7 +4649,7 @@
                 </a:effectLst>
                 <a:latin typeface="Exo 2 Extra Bold" panose="00000900000000000000" pitchFamily="50" charset="0"/>
               </a:rPr>
-              <a:t>#09</a:t>
+              <a:t>11</a:t>
             </a:r>
             <a:endParaRPr lang="pt-BR" sz="4800" b="0" cap="none" spc="0" dirty="0">
               <a:ln w="0">

--- a/InformativosAnimacao.pptx
+++ b/InformativosAnimacao.pptx
@@ -286,7 +286,7 @@
             <a:fld id="{11A6662E-FAF4-44BC-88B5-85A7CBFB6D30}" type="datetime1">
               <a:rPr lang="en-US" smtClean="0"/>
               <a:pPr/>
-              <a:t>7/12/2021</a:t>
+              <a:t>7/27/2021</a:t>
             </a:fld>
             <a:endParaRPr lang="en-US" dirty="0"/>
           </a:p>
@@ -513,7 +513,7 @@
           <a:p>
             <a:fld id="{4C559632-1575-4E14-B53B-3DC3D5ED3947}" type="datetime1">
               <a:rPr lang="en-US" smtClean="0"/>
-              <a:t>7/12/2021</a:t>
+              <a:t>7/27/2021</a:t>
             </a:fld>
             <a:endParaRPr lang="en-US"/>
           </a:p>
@@ -721,7 +721,7 @@
           <a:p>
             <a:fld id="{CC4A6868-2568-4CC9-B302-F37117B01A6E}" type="datetime1">
               <a:rPr lang="en-US" smtClean="0"/>
-              <a:t>7/12/2021</a:t>
+              <a:t>7/27/2021</a:t>
             </a:fld>
             <a:endParaRPr lang="en-US"/>
           </a:p>
@@ -926,7 +926,7 @@
           <a:p>
             <a:fld id="{0055F08A-1E71-4B2B-BB49-E743F2903911}" type="datetime1">
               <a:rPr lang="en-US" smtClean="0"/>
-              <a:t>7/12/2021</a:t>
+              <a:t>7/27/2021</a:t>
             </a:fld>
             <a:endParaRPr lang="en-US" dirty="0"/>
           </a:p>
@@ -1200,7 +1200,7 @@
           <a:p>
             <a:fld id="{15417D9E-721A-44BB-8863-9873FE64DA75}" type="datetime1">
               <a:rPr lang="en-US" smtClean="0"/>
-              <a:t>7/12/2021</a:t>
+              <a:t>7/27/2021</a:t>
             </a:fld>
             <a:endParaRPr lang="en-US"/>
           </a:p>
@@ -1473,7 +1473,7 @@
           <a:p>
             <a:fld id="{5F31DA2F-80B8-49CF-99FB-5ABCA53A607A}" type="datetime1">
               <a:rPr lang="en-US" smtClean="0"/>
-              <a:t>7/12/2021</a:t>
+              <a:t>7/27/2021</a:t>
             </a:fld>
             <a:endParaRPr lang="en-US"/>
           </a:p>
@@ -1888,7 +1888,7 @@
           <a:p>
             <a:fld id="{28852172-E6C9-4B6C-929A-A9DE3837BBF1}" type="datetime1">
               <a:rPr lang="en-US" smtClean="0"/>
-              <a:t>7/12/2021</a:t>
+              <a:t>7/27/2021</a:t>
             </a:fld>
             <a:endParaRPr lang="en-US"/>
           </a:p>
@@ -2040,7 +2040,7 @@
           <a:p>
             <a:fld id="{3AB41CFF-90C9-47B3-9DA1-F2BF8D839F7E}" type="datetime1">
               <a:rPr lang="en-US" smtClean="0"/>
-              <a:t>7/12/2021</a:t>
+              <a:t>7/27/2021</a:t>
             </a:fld>
             <a:endParaRPr lang="en-US"/>
           </a:p>
@@ -2153,7 +2153,7 @@
           <a:p>
             <a:fld id="{F06048FA-06AB-4884-A69B-986B96E68A24}" type="datetime1">
               <a:rPr lang="en-US" smtClean="0"/>
-              <a:t>7/12/2021</a:t>
+              <a:t>7/27/2021</a:t>
             </a:fld>
             <a:endParaRPr lang="en-US"/>
           </a:p>
@@ -2464,7 +2464,7 @@
           <a:p>
             <a:fld id="{50DB7ABA-0172-4F9C-889D-567164F66BCD}" type="datetime1">
               <a:rPr lang="en-US" smtClean="0"/>
-              <a:t>7/12/2021</a:t>
+              <a:t>7/27/2021</a:t>
             </a:fld>
             <a:endParaRPr lang="en-US"/>
           </a:p>
@@ -2755,7 +2755,7 @@
           <a:p>
             <a:fld id="{78AC6A5B-8AE7-4A41-B5A7-9ADC6686DC18}" type="datetime1">
               <a:rPr lang="en-US" smtClean="0"/>
-              <a:t>7/12/2021</a:t>
+              <a:t>7/27/2021</a:t>
             </a:fld>
             <a:endParaRPr lang="en-US"/>
           </a:p>
@@ -3064,7 +3064,7 @@
             <a:fld id="{57E0CF6C-748E-4B7A-BC8B-3011EF78ED13}" type="datetime1">
               <a:rPr lang="en-US" smtClean="0"/>
               <a:pPr/>
-              <a:t>7/12/2021</a:t>
+              <a:t>7/27/2021</a:t>
             </a:fld>
             <a:endParaRPr lang="en-US" dirty="0"/>
           </a:p>
@@ -4649,7 +4649,7 @@
                 </a:effectLst>
                 <a:latin typeface="Exo 2 Extra Bold" panose="00000900000000000000" pitchFamily="50" charset="0"/>
               </a:rPr>
-              <a:t>11</a:t>
+              <a:t>13</a:t>
             </a:r>
             <a:endParaRPr lang="pt-BR" sz="4800" b="0" cap="none" spc="0" dirty="0">
               <a:ln w="0">

--- a/InformativosAnimacao.pptx
+++ b/InformativosAnimacao.pptx
@@ -286,7 +286,7 @@
             <a:fld id="{11A6662E-FAF4-44BC-88B5-85A7CBFB6D30}" type="datetime1">
               <a:rPr lang="en-US" smtClean="0"/>
               <a:pPr/>
-              <a:t>7/27/2021</a:t>
+              <a:t>8/10/2021</a:t>
             </a:fld>
             <a:endParaRPr lang="en-US" dirty="0"/>
           </a:p>
@@ -513,7 +513,7 @@
           <a:p>
             <a:fld id="{4C559632-1575-4E14-B53B-3DC3D5ED3947}" type="datetime1">
               <a:rPr lang="en-US" smtClean="0"/>
-              <a:t>7/27/2021</a:t>
+              <a:t>8/10/2021</a:t>
             </a:fld>
             <a:endParaRPr lang="en-US"/>
           </a:p>
@@ -721,7 +721,7 @@
           <a:p>
             <a:fld id="{CC4A6868-2568-4CC9-B302-F37117B01A6E}" type="datetime1">
               <a:rPr lang="en-US" smtClean="0"/>
-              <a:t>7/27/2021</a:t>
+              <a:t>8/10/2021</a:t>
             </a:fld>
             <a:endParaRPr lang="en-US"/>
           </a:p>
@@ -926,7 +926,7 @@
           <a:p>
             <a:fld id="{0055F08A-1E71-4B2B-BB49-E743F2903911}" type="datetime1">
               <a:rPr lang="en-US" smtClean="0"/>
-              <a:t>7/27/2021</a:t>
+              <a:t>8/10/2021</a:t>
             </a:fld>
             <a:endParaRPr lang="en-US" dirty="0"/>
           </a:p>
@@ -1200,7 +1200,7 @@
           <a:p>
             <a:fld id="{15417D9E-721A-44BB-8863-9873FE64DA75}" type="datetime1">
               <a:rPr lang="en-US" smtClean="0"/>
-              <a:t>7/27/2021</a:t>
+              <a:t>8/10/2021</a:t>
             </a:fld>
             <a:endParaRPr lang="en-US"/>
           </a:p>
@@ -1473,7 +1473,7 @@
           <a:p>
             <a:fld id="{5F31DA2F-80B8-49CF-99FB-5ABCA53A607A}" type="datetime1">
               <a:rPr lang="en-US" smtClean="0"/>
-              <a:t>7/27/2021</a:t>
+              <a:t>8/10/2021</a:t>
             </a:fld>
             <a:endParaRPr lang="en-US"/>
           </a:p>
@@ -1888,7 +1888,7 @@
           <a:p>
             <a:fld id="{28852172-E6C9-4B6C-929A-A9DE3837BBF1}" type="datetime1">
               <a:rPr lang="en-US" smtClean="0"/>
-              <a:t>7/27/2021</a:t>
+              <a:t>8/10/2021</a:t>
             </a:fld>
             <a:endParaRPr lang="en-US"/>
           </a:p>
@@ -2040,7 +2040,7 @@
           <a:p>
             <a:fld id="{3AB41CFF-90C9-47B3-9DA1-F2BF8D839F7E}" type="datetime1">
               <a:rPr lang="en-US" smtClean="0"/>
-              <a:t>7/27/2021</a:t>
+              <a:t>8/10/2021</a:t>
             </a:fld>
             <a:endParaRPr lang="en-US"/>
           </a:p>
@@ -2153,7 +2153,7 @@
           <a:p>
             <a:fld id="{F06048FA-06AB-4884-A69B-986B96E68A24}" type="datetime1">
               <a:rPr lang="en-US" smtClean="0"/>
-              <a:t>7/27/2021</a:t>
+              <a:t>8/10/2021</a:t>
             </a:fld>
             <a:endParaRPr lang="en-US"/>
           </a:p>
@@ -2464,7 +2464,7 @@
           <a:p>
             <a:fld id="{50DB7ABA-0172-4F9C-889D-567164F66BCD}" type="datetime1">
               <a:rPr lang="en-US" smtClean="0"/>
-              <a:t>7/27/2021</a:t>
+              <a:t>8/10/2021</a:t>
             </a:fld>
             <a:endParaRPr lang="en-US"/>
           </a:p>
@@ -2755,7 +2755,7 @@
           <a:p>
             <a:fld id="{78AC6A5B-8AE7-4A41-B5A7-9ADC6686DC18}" type="datetime1">
               <a:rPr lang="en-US" smtClean="0"/>
-              <a:t>7/27/2021</a:t>
+              <a:t>8/10/2021</a:t>
             </a:fld>
             <a:endParaRPr lang="en-US"/>
           </a:p>
@@ -3064,7 +3064,7 @@
             <a:fld id="{57E0CF6C-748E-4B7A-BC8B-3011EF78ED13}" type="datetime1">
               <a:rPr lang="en-US" smtClean="0"/>
               <a:pPr/>
-              <a:t>7/27/2021</a:t>
+              <a:t>8/10/2021</a:t>
             </a:fld>
             <a:endParaRPr lang="en-US" dirty="0"/>
           </a:p>
@@ -4649,7 +4649,7 @@
                 </a:effectLst>
                 <a:latin typeface="Exo 2 Extra Bold" panose="00000900000000000000" pitchFamily="50" charset="0"/>
               </a:rPr>
-              <a:t>13</a:t>
+              <a:t>15</a:t>
             </a:r>
             <a:endParaRPr lang="pt-BR" sz="4800" b="0" cap="none" spc="0" dirty="0">
               <a:ln w="0">

--- a/InformativosAnimacao.pptx
+++ b/InformativosAnimacao.pptx
@@ -286,7 +286,7 @@
             <a:fld id="{11A6662E-FAF4-44BC-88B5-85A7CBFB6D30}" type="datetime1">
               <a:rPr lang="en-US" smtClean="0"/>
               <a:pPr/>
-              <a:t>8/10/2021</a:t>
+              <a:t>8/17/2021</a:t>
             </a:fld>
             <a:endParaRPr lang="en-US" dirty="0"/>
           </a:p>
@@ -513,7 +513,7 @@
           <a:p>
             <a:fld id="{4C559632-1575-4E14-B53B-3DC3D5ED3947}" type="datetime1">
               <a:rPr lang="en-US" smtClean="0"/>
-              <a:t>8/10/2021</a:t>
+              <a:t>8/17/2021</a:t>
             </a:fld>
             <a:endParaRPr lang="en-US"/>
           </a:p>
@@ -721,7 +721,7 @@
           <a:p>
             <a:fld id="{CC4A6868-2568-4CC9-B302-F37117B01A6E}" type="datetime1">
               <a:rPr lang="en-US" smtClean="0"/>
-              <a:t>8/10/2021</a:t>
+              <a:t>8/17/2021</a:t>
             </a:fld>
             <a:endParaRPr lang="en-US"/>
           </a:p>
@@ -926,7 +926,7 @@
           <a:p>
             <a:fld id="{0055F08A-1E71-4B2B-BB49-E743F2903911}" type="datetime1">
               <a:rPr lang="en-US" smtClean="0"/>
-              <a:t>8/10/2021</a:t>
+              <a:t>8/17/2021</a:t>
             </a:fld>
             <a:endParaRPr lang="en-US" dirty="0"/>
           </a:p>
@@ -1200,7 +1200,7 @@
           <a:p>
             <a:fld id="{15417D9E-721A-44BB-8863-9873FE64DA75}" type="datetime1">
               <a:rPr lang="en-US" smtClean="0"/>
-              <a:t>8/10/2021</a:t>
+              <a:t>8/17/2021</a:t>
             </a:fld>
             <a:endParaRPr lang="en-US"/>
           </a:p>
@@ -1473,7 +1473,7 @@
           <a:p>
             <a:fld id="{5F31DA2F-80B8-49CF-99FB-5ABCA53A607A}" type="datetime1">
               <a:rPr lang="en-US" smtClean="0"/>
-              <a:t>8/10/2021</a:t>
+              <a:t>8/17/2021</a:t>
             </a:fld>
             <a:endParaRPr lang="en-US"/>
           </a:p>
@@ -1888,7 +1888,7 @@
           <a:p>
             <a:fld id="{28852172-E6C9-4B6C-929A-A9DE3837BBF1}" type="datetime1">
               <a:rPr lang="en-US" smtClean="0"/>
-              <a:t>8/10/2021</a:t>
+              <a:t>8/17/2021</a:t>
             </a:fld>
             <a:endParaRPr lang="en-US"/>
           </a:p>
@@ -2040,7 +2040,7 @@
           <a:p>
             <a:fld id="{3AB41CFF-90C9-47B3-9DA1-F2BF8D839F7E}" type="datetime1">
               <a:rPr lang="en-US" smtClean="0"/>
-              <a:t>8/10/2021</a:t>
+              <a:t>8/17/2021</a:t>
             </a:fld>
             <a:endParaRPr lang="en-US"/>
           </a:p>
@@ -2153,7 +2153,7 @@
           <a:p>
             <a:fld id="{F06048FA-06AB-4884-A69B-986B96E68A24}" type="datetime1">
               <a:rPr lang="en-US" smtClean="0"/>
-              <a:t>8/10/2021</a:t>
+              <a:t>8/17/2021</a:t>
             </a:fld>
             <a:endParaRPr lang="en-US"/>
           </a:p>
@@ -2464,7 +2464,7 @@
           <a:p>
             <a:fld id="{50DB7ABA-0172-4F9C-889D-567164F66BCD}" type="datetime1">
               <a:rPr lang="en-US" smtClean="0"/>
-              <a:t>8/10/2021</a:t>
+              <a:t>8/17/2021</a:t>
             </a:fld>
             <a:endParaRPr lang="en-US"/>
           </a:p>
@@ -2755,7 +2755,7 @@
           <a:p>
             <a:fld id="{78AC6A5B-8AE7-4A41-B5A7-9ADC6686DC18}" type="datetime1">
               <a:rPr lang="en-US" smtClean="0"/>
-              <a:t>8/10/2021</a:t>
+              <a:t>8/17/2021</a:t>
             </a:fld>
             <a:endParaRPr lang="en-US"/>
           </a:p>
@@ -3064,7 +3064,7 @@
             <a:fld id="{57E0CF6C-748E-4B7A-BC8B-3011EF78ED13}" type="datetime1">
               <a:rPr lang="en-US" smtClean="0"/>
               <a:pPr/>
-              <a:t>8/10/2021</a:t>
+              <a:t>8/17/2021</a:t>
             </a:fld>
             <a:endParaRPr lang="en-US" dirty="0"/>
           </a:p>
@@ -4630,10 +4630,10 @@
                 </a:effectLst>
                 <a:latin typeface="Exo 2 Extra Bold" panose="00000900000000000000" pitchFamily="50" charset="0"/>
               </a:rPr>
-              <a:t>Rodada #</a:t>
-            </a:r>
-            <a:r>
-              <a:rPr lang="pt-BR" sz="4800" dirty="0">
+              <a:t>Rodada </a:t>
+            </a:r>
+            <a:r>
+              <a:rPr lang="pt-BR" sz="4800" b="0" cap="none" spc="0">
                 <a:ln w="0">
                   <a:noFill/>
                 </a:ln>
@@ -4649,7 +4649,26 @@
                 </a:effectLst>
                 <a:latin typeface="Exo 2 Extra Bold" panose="00000900000000000000" pitchFamily="50" charset="0"/>
               </a:rPr>
-              <a:t>15</a:t>
+              <a:t>#</a:t>
+            </a:r>
+            <a:r>
+              <a:rPr lang="pt-BR" sz="4800">
+                <a:ln w="0">
+                  <a:noFill/>
+                </a:ln>
+                <a:solidFill>
+                  <a:schemeClr val="bg1"/>
+                </a:solidFill>
+                <a:effectLst>
+                  <a:outerShdw blurRad="38100" dist="19050" dir="2700000" algn="tl" rotWithShape="0">
+                    <a:schemeClr val="dk1">
+                      <a:alpha val="40000"/>
+                    </a:schemeClr>
+                  </a:outerShdw>
+                </a:effectLst>
+                <a:latin typeface="Exo 2 Extra Bold" panose="00000900000000000000" pitchFamily="50" charset="0"/>
+              </a:rPr>
+              <a:t>16</a:t>
             </a:r>
             <a:endParaRPr lang="pt-BR" sz="4800" b="0" cap="none" spc="0" dirty="0">
               <a:ln w="0">
